--- a/Labs/Lab3/Presentation1.pptx
+++ b/Labs/Lab3/Presentation1.pptx
@@ -106,6 +106,11 @@
       </a:defRPr>
     </a:lvl9pPr>
   </p:defaultTextStyle>
+  <p:extLst>
+    <p:ext uri="{EFAFB233-063F-42B5-8137-9DF3F51BA10A}">
+      <p15:sldGuideLst xmlns:p15="http://schemas.microsoft.com/office/powerpoint/2012/main"/>
+    </p:ext>
+  </p:extLst>
 </p:presentation>
 </file>
 
@@ -154,7 +159,6 @@
               <a:rPr lang="en-US"/>
               <a:t>Click to edit Master title style</a:t>
             </a:r>
-            <a:endParaRPr lang="en-US"/>
           </a:p>
         </p:txBody>
       </p:sp>
@@ -219,7 +223,6 @@
               <a:rPr lang="en-US"/>
               <a:t>Click to edit Master subtitle style</a:t>
             </a:r>
-            <a:endParaRPr lang="en-US"/>
           </a:p>
         </p:txBody>
       </p:sp>
@@ -240,7 +243,7 @@
           <a:p>
             <a:fld id="{7FBB96AF-0728-4FDF-8C6D-204F10667345}" type="datetimeFigureOut">
               <a:rPr lang="en-US" smtClean="0"/>
-              <a:t>2017-02-15</a:t>
+              <a:t>2017-02-16</a:t>
             </a:fld>
             <a:endParaRPr lang="en-US"/>
           </a:p>
@@ -337,7 +340,6 @@
               <a:rPr lang="en-US"/>
               <a:t>Click to edit Master title style</a:t>
             </a:r>
-            <a:endParaRPr lang="en-US"/>
           </a:p>
         </p:txBody>
       </p:sp>
@@ -389,7 +391,6 @@
               <a:rPr lang="en-US"/>
               <a:t>Fifth level</a:t>
             </a:r>
-            <a:endParaRPr lang="en-US"/>
           </a:p>
         </p:txBody>
       </p:sp>
@@ -410,7 +411,7 @@
           <a:p>
             <a:fld id="{7FBB96AF-0728-4FDF-8C6D-204F10667345}" type="datetimeFigureOut">
               <a:rPr lang="en-US" smtClean="0"/>
-              <a:t>2017-02-15</a:t>
+              <a:t>2017-02-16</a:t>
             </a:fld>
             <a:endParaRPr lang="en-US"/>
           </a:p>
@@ -512,7 +513,6 @@
               <a:rPr lang="en-US"/>
               <a:t>Click to edit Master title style</a:t>
             </a:r>
-            <a:endParaRPr lang="en-US"/>
           </a:p>
         </p:txBody>
       </p:sp>
@@ -569,7 +569,6 @@
               <a:rPr lang="en-US"/>
               <a:t>Fifth level</a:t>
             </a:r>
-            <a:endParaRPr lang="en-US"/>
           </a:p>
         </p:txBody>
       </p:sp>
@@ -590,7 +589,7 @@
           <a:p>
             <a:fld id="{7FBB96AF-0728-4FDF-8C6D-204F10667345}" type="datetimeFigureOut">
               <a:rPr lang="en-US" smtClean="0"/>
-              <a:t>2017-02-15</a:t>
+              <a:t>2017-02-16</a:t>
             </a:fld>
             <a:endParaRPr lang="en-US"/>
           </a:p>
@@ -687,7 +686,6 @@
               <a:rPr lang="en-US"/>
               <a:t>Click to edit Master title style</a:t>
             </a:r>
-            <a:endParaRPr lang="en-US"/>
           </a:p>
         </p:txBody>
       </p:sp>
@@ -739,7 +737,6 @@
               <a:rPr lang="en-US"/>
               <a:t>Fifth level</a:t>
             </a:r>
-            <a:endParaRPr lang="en-US"/>
           </a:p>
         </p:txBody>
       </p:sp>
@@ -760,7 +757,7 @@
           <a:p>
             <a:fld id="{7FBB96AF-0728-4FDF-8C6D-204F10667345}" type="datetimeFigureOut">
               <a:rPr lang="en-US" smtClean="0"/>
-              <a:t>2017-02-15</a:t>
+              <a:t>2017-02-16</a:t>
             </a:fld>
             <a:endParaRPr lang="en-US"/>
           </a:p>
@@ -866,7 +863,6 @@
               <a:rPr lang="en-US"/>
               <a:t>Click to edit Master title style</a:t>
             </a:r>
-            <a:endParaRPr lang="en-US"/>
           </a:p>
         </p:txBody>
       </p:sp>
@@ -1006,7 +1002,7 @@
           <a:p>
             <a:fld id="{7FBB96AF-0728-4FDF-8C6D-204F10667345}" type="datetimeFigureOut">
               <a:rPr lang="en-US" smtClean="0"/>
-              <a:t>2017-02-15</a:t>
+              <a:t>2017-02-16</a:t>
             </a:fld>
             <a:endParaRPr lang="en-US"/>
           </a:p>
@@ -1103,7 +1099,6 @@
               <a:rPr lang="en-US"/>
               <a:t>Click to edit Master title style</a:t>
             </a:r>
-            <a:endParaRPr lang="en-US"/>
           </a:p>
         </p:txBody>
       </p:sp>
@@ -1160,7 +1155,6 @@
               <a:rPr lang="en-US"/>
               <a:t>Fifth level</a:t>
             </a:r>
-            <a:endParaRPr lang="en-US"/>
           </a:p>
         </p:txBody>
       </p:sp>
@@ -1217,7 +1211,6 @@
               <a:rPr lang="en-US"/>
               <a:t>Fifth level</a:t>
             </a:r>
-            <a:endParaRPr lang="en-US"/>
           </a:p>
         </p:txBody>
       </p:sp>
@@ -1238,7 +1231,7 @@
           <a:p>
             <a:fld id="{7FBB96AF-0728-4FDF-8C6D-204F10667345}" type="datetimeFigureOut">
               <a:rPr lang="en-US" smtClean="0"/>
-              <a:t>2017-02-15</a:t>
+              <a:t>2017-02-16</a:t>
             </a:fld>
             <a:endParaRPr lang="en-US"/>
           </a:p>
@@ -1340,7 +1333,6 @@
               <a:rPr lang="en-US"/>
               <a:t>Click to edit Master title style</a:t>
             </a:r>
-            <a:endParaRPr lang="en-US"/>
           </a:p>
         </p:txBody>
       </p:sp>
@@ -1462,7 +1454,6 @@
               <a:rPr lang="en-US"/>
               <a:t>Fifth level</a:t>
             </a:r>
-            <a:endParaRPr lang="en-US"/>
           </a:p>
         </p:txBody>
       </p:sp>
@@ -1584,7 +1575,6 @@
               <a:rPr lang="en-US"/>
               <a:t>Fifth level</a:t>
             </a:r>
-            <a:endParaRPr lang="en-US"/>
           </a:p>
         </p:txBody>
       </p:sp>
@@ -1605,7 +1595,7 @@
           <a:p>
             <a:fld id="{7FBB96AF-0728-4FDF-8C6D-204F10667345}" type="datetimeFigureOut">
               <a:rPr lang="en-US" smtClean="0"/>
-              <a:t>2017-02-15</a:t>
+              <a:t>2017-02-16</a:t>
             </a:fld>
             <a:endParaRPr lang="en-US"/>
           </a:p>
@@ -1702,7 +1692,6 @@
               <a:rPr lang="en-US"/>
               <a:t>Click to edit Master title style</a:t>
             </a:r>
-            <a:endParaRPr lang="en-US"/>
           </a:p>
         </p:txBody>
       </p:sp>
@@ -1723,7 +1712,7 @@
           <a:p>
             <a:fld id="{7FBB96AF-0728-4FDF-8C6D-204F10667345}" type="datetimeFigureOut">
               <a:rPr lang="en-US" smtClean="0"/>
-              <a:t>2017-02-15</a:t>
+              <a:t>2017-02-16</a:t>
             </a:fld>
             <a:endParaRPr lang="en-US"/>
           </a:p>
@@ -1818,7 +1807,7 @@
           <a:p>
             <a:fld id="{7FBB96AF-0728-4FDF-8C6D-204F10667345}" type="datetimeFigureOut">
               <a:rPr lang="en-US" smtClean="0"/>
-              <a:t>2017-02-15</a:t>
+              <a:t>2017-02-16</a:t>
             </a:fld>
             <a:endParaRPr lang="en-US"/>
           </a:p>
@@ -1924,7 +1913,6 @@
               <a:rPr lang="en-US"/>
               <a:t>Click to edit Master title style</a:t>
             </a:r>
-            <a:endParaRPr lang="en-US"/>
           </a:p>
         </p:txBody>
       </p:sp>
@@ -2009,7 +1997,6 @@
               <a:rPr lang="en-US"/>
               <a:t>Fifth level</a:t>
             </a:r>
-            <a:endParaRPr lang="en-US"/>
           </a:p>
         </p:txBody>
       </p:sp>
@@ -2095,7 +2082,7 @@
           <a:p>
             <a:fld id="{7FBB96AF-0728-4FDF-8C6D-204F10667345}" type="datetimeFigureOut">
               <a:rPr lang="en-US" smtClean="0"/>
-              <a:t>2017-02-15</a:t>
+              <a:t>2017-02-16</a:t>
             </a:fld>
             <a:endParaRPr lang="en-US"/>
           </a:p>
@@ -2201,7 +2188,6 @@
               <a:rPr lang="en-US"/>
               <a:t>Click to edit Master title style</a:t>
             </a:r>
-            <a:endParaRPr lang="en-US"/>
           </a:p>
         </p:txBody>
       </p:sp>
@@ -2348,7 +2334,7 @@
           <a:p>
             <a:fld id="{7FBB96AF-0728-4FDF-8C6D-204F10667345}" type="datetimeFigureOut">
               <a:rPr lang="en-US" smtClean="0"/>
-              <a:t>2017-02-15</a:t>
+              <a:t>2017-02-16</a:t>
             </a:fld>
             <a:endParaRPr lang="en-US"/>
           </a:p>
@@ -2460,7 +2446,6 @@
               <a:rPr lang="en-US"/>
               <a:t>Click to edit Master title style</a:t>
             </a:r>
-            <a:endParaRPr lang="en-US"/>
           </a:p>
         </p:txBody>
       </p:sp>
@@ -2522,7 +2507,6 @@
               <a:rPr lang="en-US"/>
               <a:t>Fifth level</a:t>
             </a:r>
-            <a:endParaRPr lang="en-US"/>
           </a:p>
         </p:txBody>
       </p:sp>
@@ -2561,7 +2545,7 @@
           <a:p>
             <a:fld id="{7FBB96AF-0728-4FDF-8C6D-204F10667345}" type="datetimeFigureOut">
               <a:rPr lang="en-US" smtClean="0"/>
-              <a:t>2017-02-15</a:t>
+              <a:t>2017-02-16</a:t>
             </a:fld>
             <a:endParaRPr lang="en-US"/>
           </a:p>
@@ -3174,8 +3158,8 @@
         </p:nvSpPr>
         <p:spPr>
           <a:xfrm>
-            <a:off x="2184070" y="2071045"/>
-            <a:ext cx="1240972" cy="369332"/>
+            <a:off x="2184069" y="1795979"/>
+            <a:ext cx="1240972" cy="646331"/>
           </a:xfrm>
           <a:prstGeom prst="rect">
             <a:avLst/>
@@ -3191,7 +3175,7 @@
             <a:pPr algn="ctr"/>
             <a:r>
               <a:rPr lang="en-US" dirty="0"/>
-              <a:t>MID: 0x00</a:t>
+              <a:t>MID: 0x00, 0x02</a:t>
             </a:r>
           </a:p>
         </p:txBody>
@@ -3310,8 +3294,8 @@
         </p:nvSpPr>
         <p:spPr>
           <a:xfrm>
-            <a:off x="5222173" y="2071045"/>
-            <a:ext cx="1240972" cy="369332"/>
+            <a:off x="5222173" y="1791974"/>
+            <a:ext cx="1240972" cy="646331"/>
           </a:xfrm>
           <a:prstGeom prst="rect">
             <a:avLst/>
@@ -3327,7 +3311,7 @@
             <a:pPr algn="ctr"/>
             <a:r>
               <a:rPr lang="en-US" dirty="0"/>
-              <a:t>MID: 0x00</a:t>
+              <a:t>MID: 0x00, 0x02</a:t>
             </a:r>
           </a:p>
         </p:txBody>
@@ -3732,8 +3716,13 @@
             <a:pPr algn="ctr"/>
             <a:r>
               <a:rPr lang="en-US" dirty="0"/>
-              <a:t>MID: 0x02</a:t>
-            </a:r>
+              <a:t>MID</a:t>
+            </a:r>
+            <a:r>
+              <a:rPr lang="en-US"/>
+              <a:t>: 0x03</a:t>
+            </a:r>
+            <a:endParaRPr lang="en-US" dirty="0"/>
           </a:p>
         </p:txBody>
       </p:sp>
@@ -3800,7 +3789,7 @@
             <a:pPr algn="ctr"/>
             <a:r>
               <a:rPr lang="en-US" dirty="0"/>
-              <a:t>MID: 0x02</a:t>
+              <a:t>MID: 0x03</a:t>
             </a:r>
           </a:p>
         </p:txBody>
@@ -4152,7 +4141,7 @@
             <a:pPr algn="ctr"/>
             <a:r>
               <a:rPr lang="en-US" dirty="0"/>
-              <a:t>MID: 0x03</a:t>
+              <a:t>MID: 0x04</a:t>
             </a:r>
           </a:p>
         </p:txBody>
@@ -4220,7 +4209,7 @@
             <a:pPr algn="ctr"/>
             <a:r>
               <a:rPr lang="en-US" dirty="0"/>
-              <a:t>MID: 0x03</a:t>
+              <a:t>MID: 0x04</a:t>
             </a:r>
           </a:p>
         </p:txBody>
@@ -4433,7 +4422,7 @@
             <a:pPr algn="ctr"/>
             <a:r>
               <a:rPr lang="en-US" dirty="0"/>
-              <a:t>MID: 0x04</a:t>
+              <a:t>MID: 0x05</a:t>
             </a:r>
           </a:p>
         </p:txBody>
@@ -4501,7 +4490,7 @@
             <a:pPr algn="ctr"/>
             <a:r>
               <a:rPr lang="en-US" dirty="0"/>
-              <a:t>MID: 0x04</a:t>
+              <a:t>MID: 0x05</a:t>
             </a:r>
           </a:p>
         </p:txBody>
